--- a/2025_ASSESSMENT/RUSSIAN_MODELS/REPORT_FILES/Pacific_cod_full_slideshow_with_indices_lencomps [Autosaved].pptx
+++ b/2025_ASSESSMENT/RUSSIAN_MODELS/REPORT_FILES/Pacific_cod_full_slideshow_with_indices_lencomps [Autosaved].pptx
@@ -12,11 +12,14 @@
     <p:sldId id="258" r:id="rId6"/>
     <p:sldId id="259" r:id="rId7"/>
     <p:sldId id="260" r:id="rId8"/>
-    <p:sldId id="261" r:id="rId9"/>
-    <p:sldId id="264" r:id="rId10"/>
-    <p:sldId id="262" r:id="rId11"/>
-    <p:sldId id="268" r:id="rId12"/>
-    <p:sldId id="263" r:id="rId13"/>
+    <p:sldId id="272" r:id="rId9"/>
+    <p:sldId id="273" r:id="rId10"/>
+    <p:sldId id="274" r:id="rId11"/>
+    <p:sldId id="261" r:id="rId12"/>
+    <p:sldId id="264" r:id="rId13"/>
+    <p:sldId id="262" r:id="rId14"/>
+    <p:sldId id="268" r:id="rId15"/>
+    <p:sldId id="263" r:id="rId16"/>
   </p:sldIdLst>
   <p:sldSz cx="9144000" cy="6858000" type="screen4x3"/>
   <p:notesSz cx="6858000" cy="9144000"/>
@@ -313,7 +316,7 @@
           <a:p>
             <a:fld id="{5BCAD085-E8A6-8845-BD4E-CB4CCA059FC4}" type="datetimeFigureOut">
               <a:rPr lang="en-US" smtClean="0"/>
-              <a:t>8/25/2025</a:t>
+              <a:t>8/26/2025</a:t>
             </a:fld>
             <a:endParaRPr lang="en-US"/>
           </a:p>
@@ -481,7 +484,7 @@
           <a:p>
             <a:fld id="{5BCAD085-E8A6-8845-BD4E-CB4CCA059FC4}" type="datetimeFigureOut">
               <a:rPr lang="en-US" smtClean="0"/>
-              <a:t>8/25/2025</a:t>
+              <a:t>8/26/2025</a:t>
             </a:fld>
             <a:endParaRPr lang="en-US"/>
           </a:p>
@@ -659,7 +662,7 @@
           <a:p>
             <a:fld id="{5BCAD085-E8A6-8845-BD4E-CB4CCA059FC4}" type="datetimeFigureOut">
               <a:rPr lang="en-US" smtClean="0"/>
-              <a:t>8/25/2025</a:t>
+              <a:t>8/26/2025</a:t>
             </a:fld>
             <a:endParaRPr lang="en-US"/>
           </a:p>
@@ -827,7 +830,7 @@
           <a:p>
             <a:fld id="{5BCAD085-E8A6-8845-BD4E-CB4CCA059FC4}" type="datetimeFigureOut">
               <a:rPr lang="en-US" smtClean="0"/>
-              <a:t>8/25/2025</a:t>
+              <a:t>8/26/2025</a:t>
             </a:fld>
             <a:endParaRPr lang="en-US"/>
           </a:p>
@@ -1072,7 +1075,7 @@
           <a:p>
             <a:fld id="{5BCAD085-E8A6-8845-BD4E-CB4CCA059FC4}" type="datetimeFigureOut">
               <a:rPr lang="en-US" smtClean="0"/>
-              <a:t>8/25/2025</a:t>
+              <a:t>8/26/2025</a:t>
             </a:fld>
             <a:endParaRPr lang="en-US"/>
           </a:p>
@@ -1357,7 +1360,7 @@
           <a:p>
             <a:fld id="{5BCAD085-E8A6-8845-BD4E-CB4CCA059FC4}" type="datetimeFigureOut">
               <a:rPr lang="en-US" smtClean="0"/>
-              <a:t>8/25/2025</a:t>
+              <a:t>8/26/2025</a:t>
             </a:fld>
             <a:endParaRPr lang="en-US"/>
           </a:p>
@@ -1776,7 +1779,7 @@
           <a:p>
             <a:fld id="{5BCAD085-E8A6-8845-BD4E-CB4CCA059FC4}" type="datetimeFigureOut">
               <a:rPr lang="en-US" smtClean="0"/>
-              <a:t>8/25/2025</a:t>
+              <a:t>8/26/2025</a:t>
             </a:fld>
             <a:endParaRPr lang="en-US"/>
           </a:p>
@@ -1893,7 +1896,7 @@
           <a:p>
             <a:fld id="{5BCAD085-E8A6-8845-BD4E-CB4CCA059FC4}" type="datetimeFigureOut">
               <a:rPr lang="en-US" smtClean="0"/>
-              <a:t>8/25/2025</a:t>
+              <a:t>8/26/2025</a:t>
             </a:fld>
             <a:endParaRPr lang="en-US"/>
           </a:p>
@@ -1988,7 +1991,7 @@
           <a:p>
             <a:fld id="{5BCAD085-E8A6-8845-BD4E-CB4CCA059FC4}" type="datetimeFigureOut">
               <a:rPr lang="en-US" smtClean="0"/>
-              <a:t>8/25/2025</a:t>
+              <a:t>8/26/2025</a:t>
             </a:fld>
             <a:endParaRPr lang="en-US"/>
           </a:p>
@@ -2263,7 +2266,7 @@
           <a:p>
             <a:fld id="{5BCAD085-E8A6-8845-BD4E-CB4CCA059FC4}" type="datetimeFigureOut">
               <a:rPr lang="en-US" smtClean="0"/>
-              <a:t>8/25/2025</a:t>
+              <a:t>8/26/2025</a:t>
             </a:fld>
             <a:endParaRPr lang="en-US"/>
           </a:p>
@@ -2515,7 +2518,7 @@
           <a:p>
             <a:fld id="{5BCAD085-E8A6-8845-BD4E-CB4CCA059FC4}" type="datetimeFigureOut">
               <a:rPr lang="en-US" smtClean="0"/>
-              <a:t>8/25/2025</a:t>
+              <a:t>8/26/2025</a:t>
             </a:fld>
             <a:endParaRPr lang="en-US"/>
           </a:p>
@@ -2726,7 +2729,7 @@
           <a:p>
             <a:fld id="{5BCAD085-E8A6-8845-BD4E-CB4CCA059FC4}" type="datetimeFigureOut">
               <a:rPr lang="en-US" smtClean="0"/>
-              <a:t>8/25/2025</a:t>
+              <a:t>8/26/2025</a:t>
             </a:fld>
             <a:endParaRPr lang="en-US"/>
           </a:p>
@@ -3175,6 +3178,233 @@
       </p:grpSpPr>
       <p:sp>
         <p:nvSpPr>
+          <p:cNvPr id="2" name="Title 1">
+            <a:extLst>
+              <a:ext uri="{FF2B5EF4-FFF2-40B4-BE49-F238E27FC236}">
+                <a16:creationId xmlns:a16="http://schemas.microsoft.com/office/drawing/2014/main" id="{87505EB3-42B3-4FBF-8B96-052D05B63CFE}"/>
+              </a:ext>
+            </a:extLst>
+          </p:cNvPr>
+          <p:cNvSpPr>
+            <a:spLocks noGrp="1"/>
+          </p:cNvSpPr>
+          <p:nvPr>
+            <p:ph type="title"/>
+          </p:nvPr>
+        </p:nvSpPr>
+        <p:spPr/>
+        <p:txBody>
+          <a:bodyPr/>
+          <a:lstStyle/>
+          <a:p>
+            <a:endParaRPr lang="en-US"/>
+          </a:p>
+        </p:txBody>
+      </p:sp>
+      <p:pic>
+        <p:nvPicPr>
+          <p:cNvPr id="4" name="Picture 3">
+            <a:extLst>
+              <a:ext uri="{FF2B5EF4-FFF2-40B4-BE49-F238E27FC236}">
+                <a16:creationId xmlns:a16="http://schemas.microsoft.com/office/drawing/2014/main" id="{E06E45EC-0942-4F73-80BA-76D5EB03CE8B}"/>
+              </a:ext>
+            </a:extLst>
+          </p:cNvPr>
+          <p:cNvPicPr>
+            <a:picLocks noChangeAspect="1"/>
+          </p:cNvPicPr>
+          <p:nvPr/>
+        </p:nvPicPr>
+        <p:blipFill>
+          <a:blip r:embed="rId2"/>
+          <a:stretch>
+            <a:fillRect/>
+          </a:stretch>
+        </p:blipFill>
+        <p:spPr>
+          <a:xfrm>
+            <a:off x="0" y="1343472"/>
+            <a:ext cx="9144000" cy="4171056"/>
+          </a:xfrm>
+          <a:prstGeom prst="rect">
+            <a:avLst/>
+          </a:prstGeom>
+        </p:spPr>
+      </p:pic>
+    </p:spTree>
+    <p:extLst>
+      <p:ext uri="{BB962C8B-B14F-4D97-AF65-F5344CB8AC3E}">
+        <p14:creationId xmlns:p14="http://schemas.microsoft.com/office/powerpoint/2010/main" val="3961216940"/>
+      </p:ext>
+    </p:extLst>
+  </p:cSld>
+  <p:clrMapOvr>
+    <a:masterClrMapping/>
+  </p:clrMapOvr>
+</p:sld>
+</file>
+
+<file path=ppt/slides/slide11.xml><?xml version="1.0" encoding="utf-8"?>
+<p:sld xmlns:a="http://schemas.openxmlformats.org/drawingml/2006/main" xmlns:r="http://schemas.openxmlformats.org/officeDocument/2006/relationships" xmlns:p="http://schemas.openxmlformats.org/presentationml/2006/main">
+  <p:cSld>
+    <p:spTree>
+      <p:nvGrpSpPr>
+        <p:cNvPr id="1" name=""/>
+        <p:cNvGrpSpPr/>
+        <p:nvPr/>
+      </p:nvGrpSpPr>
+      <p:grpSpPr>
+        <a:xfrm>
+          <a:off x="0" y="0"/>
+          <a:ext cx="0" cy="0"/>
+          <a:chOff x="0" y="0"/>
+          <a:chExt cx="0" cy="0"/>
+        </a:xfrm>
+      </p:grpSpPr>
+      <p:sp>
+        <p:nvSpPr>
+          <p:cNvPr id="2" name="Title 1"/>
+          <p:cNvSpPr>
+            <a:spLocks noGrp="1"/>
+          </p:cNvSpPr>
+          <p:nvPr>
+            <p:ph type="title"/>
+          </p:nvPr>
+        </p:nvSpPr>
+        <p:spPr/>
+        <p:txBody>
+          <a:bodyPr/>
+          <a:lstStyle/>
+          <a:p>
+            <a:r>
+              <a:t>Exploitation Rates by Fishery</a:t>
+            </a:r>
+          </a:p>
+        </p:txBody>
+      </p:sp>
+      <p:pic>
+        <p:nvPicPr>
+          <p:cNvPr id="3" name="Picture 2" descr="ss_exploitation_by_fishery.png"/>
+          <p:cNvPicPr>
+            <a:picLocks noChangeAspect="1"/>
+          </p:cNvPicPr>
+          <p:nvPr/>
+        </p:nvPicPr>
+        <p:blipFill>
+          <a:blip r:embed="rId2"/>
+          <a:stretch>
+            <a:fillRect/>
+          </a:stretch>
+        </p:blipFill>
+        <p:spPr>
+          <a:xfrm>
+            <a:off x="457200" y="1371600"/>
+            <a:ext cx="8229600" cy="4937760"/>
+          </a:xfrm>
+          <a:prstGeom prst="rect">
+            <a:avLst/>
+          </a:prstGeom>
+        </p:spPr>
+      </p:pic>
+    </p:spTree>
+  </p:cSld>
+  <p:clrMapOvr>
+    <a:masterClrMapping/>
+  </p:clrMapOvr>
+</p:sld>
+</file>
+
+<file path=ppt/slides/slide12.xml><?xml version="1.0" encoding="utf-8"?>
+<p:sld xmlns:a="http://schemas.openxmlformats.org/drawingml/2006/main" xmlns:r="http://schemas.openxmlformats.org/officeDocument/2006/relationships" xmlns:p="http://schemas.openxmlformats.org/presentationml/2006/main">
+  <p:cSld>
+    <p:spTree>
+      <p:nvGrpSpPr>
+        <p:cNvPr id="1" name=""/>
+        <p:cNvGrpSpPr/>
+        <p:nvPr/>
+      </p:nvGrpSpPr>
+      <p:grpSpPr>
+        <a:xfrm>
+          <a:off x="0" y="0"/>
+          <a:ext cx="0" cy="0"/>
+          <a:chOff x="0" y="0"/>
+          <a:chExt cx="0" cy="0"/>
+        </a:xfrm>
+      </p:grpSpPr>
+      <p:pic>
+        <p:nvPicPr>
+          <p:cNvPr id="3" name="Picture 2" descr="catch_F_vs_biomass_by_area_4panel.png"/>
+          <p:cNvPicPr>
+            <a:picLocks noChangeAspect="1"/>
+          </p:cNvPicPr>
+          <p:nvPr/>
+        </p:nvPicPr>
+        <p:blipFill>
+          <a:blip r:embed="rId2"/>
+          <a:stretch>
+            <a:fillRect/>
+          </a:stretch>
+        </p:blipFill>
+        <p:spPr>
+          <a:xfrm>
+            <a:off x="1163782" y="1371600"/>
+            <a:ext cx="6400800" cy="5486400"/>
+          </a:xfrm>
+          <a:prstGeom prst="rect">
+            <a:avLst/>
+          </a:prstGeom>
+        </p:spPr>
+      </p:pic>
+      <p:sp>
+        <p:nvSpPr>
+          <p:cNvPr id="2" name="Title 1"/>
+          <p:cNvSpPr>
+            <a:spLocks noGrp="1"/>
+          </p:cNvSpPr>
+          <p:nvPr>
+            <p:ph type="title"/>
+          </p:nvPr>
+        </p:nvSpPr>
+        <p:spPr/>
+        <p:txBody>
+          <a:bodyPr>
+            <a:normAutofit fontScale="90000"/>
+          </a:bodyPr>
+          <a:lstStyle/>
+          <a:p>
+            <a:r>
+              <a:t>Catch and Fishing Mortality vs Biomass by Area (1977–2024)</a:t>
+            </a:r>
+          </a:p>
+        </p:txBody>
+      </p:sp>
+    </p:spTree>
+  </p:cSld>
+  <p:clrMapOvr>
+    <a:masterClrMapping/>
+  </p:clrMapOvr>
+</p:sld>
+</file>
+
+<file path=ppt/slides/slide13.xml><?xml version="1.0" encoding="utf-8"?>
+<p:sld xmlns:a="http://schemas.openxmlformats.org/drawingml/2006/main" xmlns:r="http://schemas.openxmlformats.org/officeDocument/2006/relationships" xmlns:p="http://schemas.openxmlformats.org/presentationml/2006/main">
+  <p:cSld>
+    <p:spTree>
+      <p:nvGrpSpPr>
+        <p:cNvPr id="1" name=""/>
+        <p:cNvGrpSpPr/>
+        <p:nvPr/>
+      </p:nvGrpSpPr>
+      <p:grpSpPr>
+        <a:xfrm>
+          <a:off x="0" y="0"/>
+          <a:ext cx="0" cy="0"/>
+          <a:chOff x="0" y="0"/>
+          <a:chExt cx="0" cy="0"/>
+        </a:xfrm>
+      </p:grpSpPr>
+      <p:sp>
+        <p:nvSpPr>
           <p:cNvPr id="2" name="Title 1"/>
           <p:cNvSpPr>
             <a:spLocks noGrp="1"/>
@@ -3228,7 +3458,7 @@
 </p:sld>
 </file>
 
-<file path=ppt/slides/slide11.xml><?xml version="1.0" encoding="utf-8"?>
+<file path=ppt/slides/slide14.xml><?xml version="1.0" encoding="utf-8"?>
 <p:sld xmlns:a="http://schemas.openxmlformats.org/drawingml/2006/main" xmlns:r="http://schemas.openxmlformats.org/officeDocument/2006/relationships" xmlns:p="http://schemas.openxmlformats.org/presentationml/2006/main">
   <p:cSld>
     <p:spTree>
@@ -3300,7 +3530,7 @@
 </p:sld>
 </file>
 
-<file path=ppt/slides/slide12.xml><?xml version="1.0" encoding="utf-8"?>
+<file path=ppt/slides/slide15.xml><?xml version="1.0" encoding="utf-8"?>
 <p:sld xmlns:a="http://schemas.openxmlformats.org/drawingml/2006/main" xmlns:r="http://schemas.openxmlformats.org/officeDocument/2006/relationships" xmlns:p="http://schemas.openxmlformats.org/presentationml/2006/main">
   <p:cSld>
     <p:spTree>
@@ -3854,7 +4084,13 @@
       </p:grpSpPr>
       <p:sp>
         <p:nvSpPr>
-          <p:cNvPr id="2" name="Title 1"/>
+          <p:cNvPr id="2" name="Title 1">
+            <a:extLst>
+              <a:ext uri="{FF2B5EF4-FFF2-40B4-BE49-F238E27FC236}">
+                <a16:creationId xmlns:a16="http://schemas.microsoft.com/office/drawing/2014/main" id="{2FC20308-E376-4B31-A93E-38C61BD10A6E}"/>
+              </a:ext>
+            </a:extLst>
+          </p:cNvPr>
           <p:cNvSpPr>
             <a:spLocks noGrp="1"/>
           </p:cNvSpPr>
@@ -3868,14 +4104,21 @@
           <a:lstStyle/>
           <a:p>
             <a:r>
-              <a:t>Exploitation Rates by Fishery</a:t>
+              <a:rPr lang="en-US" dirty="0"/>
+              <a:t>Movement</a:t>
             </a:r>
           </a:p>
         </p:txBody>
       </p:sp>
       <p:pic>
         <p:nvPicPr>
-          <p:cNvPr id="3" name="Picture 2" descr="ss_exploitation_by_fishery.png"/>
+          <p:cNvPr id="4" name="Picture 3">
+            <a:extLst>
+              <a:ext uri="{FF2B5EF4-FFF2-40B4-BE49-F238E27FC236}">
+                <a16:creationId xmlns:a16="http://schemas.microsoft.com/office/drawing/2014/main" id="{B4C116C2-60EB-4504-8AFB-2780B6232C34}"/>
+              </a:ext>
+            </a:extLst>
+          </p:cNvPr>
           <p:cNvPicPr>
             <a:picLocks noChangeAspect="1"/>
           </p:cNvPicPr>
@@ -3889,8 +4132,8 @@
         </p:blipFill>
         <p:spPr>
           <a:xfrm>
-            <a:off x="457200" y="1371600"/>
-            <a:ext cx="8229600" cy="4937760"/>
+            <a:off x="0" y="1372825"/>
+            <a:ext cx="9144000" cy="4112349"/>
           </a:xfrm>
           <a:prstGeom prst="rect">
             <a:avLst/>
@@ -3898,6 +4141,11 @@
         </p:spPr>
       </p:pic>
     </p:spTree>
+    <p:extLst>
+      <p:ext uri="{BB962C8B-B14F-4D97-AF65-F5344CB8AC3E}">
+        <p14:creationId xmlns:p14="http://schemas.microsoft.com/office/powerpoint/2010/main" val="706026987"/>
+      </p:ext>
+    </p:extLst>
   </p:cSld>
   <p:clrMapOvr>
     <a:masterClrMapping/>
@@ -3922,9 +4170,43 @@
           <a:chExt cx="0" cy="0"/>
         </a:xfrm>
       </p:grpSpPr>
+      <p:sp>
+        <p:nvSpPr>
+          <p:cNvPr id="2" name="Title 1">
+            <a:extLst>
+              <a:ext uri="{FF2B5EF4-FFF2-40B4-BE49-F238E27FC236}">
+                <a16:creationId xmlns:a16="http://schemas.microsoft.com/office/drawing/2014/main" id="{2A503F39-6156-4A94-A2CC-6FB58B75F09F}"/>
+              </a:ext>
+            </a:extLst>
+          </p:cNvPr>
+          <p:cNvSpPr>
+            <a:spLocks noGrp="1"/>
+          </p:cNvSpPr>
+          <p:nvPr>
+            <p:ph type="title"/>
+          </p:nvPr>
+        </p:nvSpPr>
+        <p:spPr/>
+        <p:txBody>
+          <a:bodyPr/>
+          <a:lstStyle/>
+          <a:p>
+            <a:r>
+              <a:rPr lang="en-US" dirty="0"/>
+              <a:t>Movement</a:t>
+            </a:r>
+          </a:p>
+        </p:txBody>
+      </p:sp>
       <p:pic>
         <p:nvPicPr>
-          <p:cNvPr id="3" name="Picture 2" descr="catch_F_vs_biomass_by_area_4panel.png"/>
+          <p:cNvPr id="4" name="Picture 3">
+            <a:extLst>
+              <a:ext uri="{FF2B5EF4-FFF2-40B4-BE49-F238E27FC236}">
+                <a16:creationId xmlns:a16="http://schemas.microsoft.com/office/drawing/2014/main" id="{1106F1BA-E58F-479C-A2F6-17F9D75C3B48}"/>
+              </a:ext>
+            </a:extLst>
+          </p:cNvPr>
           <p:cNvPicPr>
             <a:picLocks noChangeAspect="1"/>
           </p:cNvPicPr>
@@ -3938,38 +4220,20 @@
         </p:blipFill>
         <p:spPr>
           <a:xfrm>
-            <a:off x="1163782" y="1371600"/>
-            <a:ext cx="6400800" cy="5486400"/>
+            <a:off x="0" y="1251702"/>
+            <a:ext cx="9144000" cy="4354595"/>
           </a:xfrm>
           <a:prstGeom prst="rect">
             <a:avLst/>
           </a:prstGeom>
         </p:spPr>
       </p:pic>
-      <p:sp>
-        <p:nvSpPr>
-          <p:cNvPr id="2" name="Title 1"/>
-          <p:cNvSpPr>
-            <a:spLocks noGrp="1"/>
-          </p:cNvSpPr>
-          <p:nvPr>
-            <p:ph type="title"/>
-          </p:nvPr>
-        </p:nvSpPr>
-        <p:spPr/>
-        <p:txBody>
-          <a:bodyPr>
-            <a:normAutofit fontScale="90000"/>
-          </a:bodyPr>
-          <a:lstStyle/>
-          <a:p>
-            <a:r>
-              <a:t>Catch and Fishing Mortality vs Biomass by Area (1977–2024)</a:t>
-            </a:r>
-          </a:p>
-        </p:txBody>
-      </p:sp>
     </p:spTree>
+    <p:extLst>
+      <p:ext uri="{BB962C8B-B14F-4D97-AF65-F5344CB8AC3E}">
+        <p14:creationId xmlns:p14="http://schemas.microsoft.com/office/powerpoint/2010/main" val="676888349"/>
+      </p:ext>
+    </p:extLst>
   </p:cSld>
   <p:clrMapOvr>
     <a:masterClrMapping/>
